--- a/ec-microsite/EC Sitecore Wireframes v7CG (3).pptx
+++ b/ec-microsite/EC Sitecore Wireframes v7CG (3).pptx
@@ -126,7 +126,7 @@
   </p:defaultTextStyle>
   <p:extLst>
     <p:ext uri="{EFAFB233-063F-42B5-8137-9DF3F51BA10A}">
-      <p15:sldGuideLst xmlns:p15="http://schemas.microsoft.com/office/powerpoint/2012/main">
+      <p15:sldGuideLst xmlns:p15="http://schemas.microsoft.com/office/powerpoint/2012/main" xmlns="">
         <p15:guide id="1" orient="horz" pos="2160">
           <p15:clr>
             <a:srgbClr val="A4A3A4"/>
@@ -225,7 +225,7 @@
           <a:p>
             <a:fld id="{E3746667-FDE8-5541-A0A2-C1EE97A51284}" type="datetimeFigureOut">
               <a:rPr lang="en-US" smtClean="0"/>
-              <a:t>6/4/2014</a:t>
+              <a:t>6/6/14</a:t>
             </a:fld>
             <a:endParaRPr lang="en-US"/>
           </a:p>
@@ -1236,11 +1236,7 @@
           <a:p>
             <a:r>
               <a:rPr lang="en-US" b="0" baseline="0" dirty="0" smtClean="0"/>
-              <a:t>http://blog.tahoepartners.com/index.php/enterprise-collaboration-obstacles-breaking-down-organizational-silos</a:t>
-            </a:r>
-            <a:r>
-              <a:rPr lang="en-US" b="0" baseline="0" dirty="0" smtClean="0"/>
-              <a:t>/</a:t>
+              <a:t>http://blog.tahoepartners.com/index.php/enterprise-collaboration-obstacles-breaking-down-organizational-silos/</a:t>
             </a:r>
           </a:p>
           <a:p>
@@ -1257,7 +1253,6 @@
               <a:rPr lang="en-US" b="0" baseline="0" dirty="0" smtClean="0"/>
               <a:t>http://blog.tahoepartners.com/index.php/enterprise-collaboration-user-experience-and-change-resilient-design/</a:t>
             </a:r>
-            <a:endParaRPr lang="en-US" b="0" baseline="0" dirty="0" smtClean="0"/>
           </a:p>
           <a:p>
             <a:endParaRPr lang="en-US" b="0" baseline="0" dirty="0" smtClean="0"/>
@@ -1376,11 +1371,7 @@
           <a:p>
             <a:r>
               <a:rPr lang="en-US" dirty="0" smtClean="0"/>
-              <a:t>On </a:t>
-            </a:r>
-            <a:r>
-              <a:rPr lang="en-US" dirty="0" smtClean="0"/>
-              <a:t>click to view a case</a:t>
+              <a:t>On click to view a case</a:t>
             </a:r>
             <a:r>
               <a:rPr lang="en-US" baseline="0" dirty="0" smtClean="0"/>
@@ -1929,19 +1920,7 @@
                 <a:ea typeface="+mn-ea"/>
                 <a:cs typeface="+mn-cs"/>
               </a:rPr>
-              <a:t>On click to download the SP 2013 assessment, </a:t>
-            </a:r>
-            <a:r>
-              <a:rPr lang="en-US" sz="1200" u="none" kern="1200" baseline="0" dirty="0" smtClean="0">
-                <a:solidFill>
-                  <a:schemeClr val="tx1"/>
-                </a:solidFill>
-                <a:effectLst/>
-                <a:latin typeface="+mn-lt"/>
-                <a:ea typeface="+mn-ea"/>
-                <a:cs typeface="+mn-cs"/>
-              </a:rPr>
-              <a:t>the user is prompted to provide an email address and the report document is automatically emailed to that address.  </a:t>
+              <a:t>On click to download the SP 2013 assessment, the user is prompted to provide an email address and the report document is automatically emailed to that address.  </a:t>
             </a:r>
           </a:p>
           <a:p>
@@ -1966,29 +1945,8 @@
                 <a:ea typeface="+mn-ea"/>
                 <a:cs typeface="+mn-cs"/>
               </a:rPr>
-              <a:t>OPEN: Confirm approach to take to provide email prompt and confirmation to the user that the request has been received, email is </a:t>
-            </a:r>
-            <a:r>
-              <a:rPr lang="en-US" sz="1200" u="none" kern="1200" baseline="0" smtClean="0">
-                <a:solidFill>
-                  <a:schemeClr val="tx1"/>
-                </a:solidFill>
-                <a:effectLst/>
-                <a:latin typeface="+mn-lt"/>
-                <a:ea typeface="+mn-ea"/>
-                <a:cs typeface="+mn-cs"/>
-              </a:rPr>
-              <a:t>on it’s way.</a:t>
-            </a:r>
-            <a:endParaRPr lang="en-US" sz="1200" u="none" kern="1200" baseline="0" dirty="0" smtClean="0">
-              <a:solidFill>
-                <a:schemeClr val="tx1"/>
-              </a:solidFill>
-              <a:effectLst/>
-              <a:latin typeface="+mn-lt"/>
-              <a:ea typeface="+mn-ea"/>
-              <a:cs typeface="+mn-cs"/>
-            </a:endParaRPr>
+              <a:t>OPEN: Confirm approach to take to provide email prompt and confirmation to the user that the request has been received, email is on it’s way.</a:t>
+            </a:r>
           </a:p>
           <a:p>
             <a:pPr lvl="0"/>
@@ -3143,11 +3101,7 @@
           <a:p>
             <a:r>
               <a:rPr lang="en-US" baseline="0" dirty="0" smtClean="0"/>
-              <a:t>Goodbye Intranet </a:t>
-            </a:r>
-            <a:r>
-              <a:rPr lang="en-US" baseline="0" dirty="0" smtClean="0"/>
-              <a:t>blog article URL:</a:t>
+              <a:t>Goodbye Intranet blog article URL:</a:t>
             </a:r>
           </a:p>
           <a:p>
@@ -3958,7 +3912,7 @@
           <a:p>
             <a:fld id="{E2747EE1-88BE-414B-988F-4CA5E25880E0}" type="datetimeFigureOut">
               <a:rPr lang="en-US" smtClean="0"/>
-              <a:t>6/4/2014</a:t>
+              <a:t>6/6/14</a:t>
             </a:fld>
             <a:endParaRPr lang="en-US"/>
           </a:p>
@@ -4128,7 +4082,7 @@
           <a:p>
             <a:fld id="{E2747EE1-88BE-414B-988F-4CA5E25880E0}" type="datetimeFigureOut">
               <a:rPr lang="en-US" smtClean="0"/>
-              <a:t>6/4/2014</a:t>
+              <a:t>6/6/14</a:t>
             </a:fld>
             <a:endParaRPr lang="en-US"/>
           </a:p>
@@ -4308,7 +4262,7 @@
           <a:p>
             <a:fld id="{E2747EE1-88BE-414B-988F-4CA5E25880E0}" type="datetimeFigureOut">
               <a:rPr lang="en-US" smtClean="0"/>
-              <a:t>6/4/2014</a:t>
+              <a:t>6/6/14</a:t>
             </a:fld>
             <a:endParaRPr lang="en-US"/>
           </a:p>
@@ -4478,7 +4432,7 @@
           <a:p>
             <a:fld id="{E2747EE1-88BE-414B-988F-4CA5E25880E0}" type="datetimeFigureOut">
               <a:rPr lang="en-US" smtClean="0"/>
-              <a:t>6/4/2014</a:t>
+              <a:t>6/6/14</a:t>
             </a:fld>
             <a:endParaRPr lang="en-US"/>
           </a:p>
@@ -4724,7 +4678,7 @@
           <a:p>
             <a:fld id="{E2747EE1-88BE-414B-988F-4CA5E25880E0}" type="datetimeFigureOut">
               <a:rPr lang="en-US" smtClean="0"/>
-              <a:t>6/4/2014</a:t>
+              <a:t>6/6/14</a:t>
             </a:fld>
             <a:endParaRPr lang="en-US"/>
           </a:p>
@@ -5012,7 +4966,7 @@
           <a:p>
             <a:fld id="{E2747EE1-88BE-414B-988F-4CA5E25880E0}" type="datetimeFigureOut">
               <a:rPr lang="en-US" smtClean="0"/>
-              <a:t>6/4/2014</a:t>
+              <a:t>6/6/14</a:t>
             </a:fld>
             <a:endParaRPr lang="en-US"/>
           </a:p>
@@ -5434,7 +5388,7 @@
           <a:p>
             <a:fld id="{E2747EE1-88BE-414B-988F-4CA5E25880E0}" type="datetimeFigureOut">
               <a:rPr lang="en-US" smtClean="0"/>
-              <a:t>6/4/2014</a:t>
+              <a:t>6/6/14</a:t>
             </a:fld>
             <a:endParaRPr lang="en-US"/>
           </a:p>
@@ -5552,7 +5506,7 @@
           <a:p>
             <a:fld id="{E2747EE1-88BE-414B-988F-4CA5E25880E0}" type="datetimeFigureOut">
               <a:rPr lang="en-US" smtClean="0"/>
-              <a:t>6/4/2014</a:t>
+              <a:t>6/6/14</a:t>
             </a:fld>
             <a:endParaRPr lang="en-US"/>
           </a:p>
@@ -5647,7 +5601,7 @@
           <a:p>
             <a:fld id="{E2747EE1-88BE-414B-988F-4CA5E25880E0}" type="datetimeFigureOut">
               <a:rPr lang="en-US" smtClean="0"/>
-              <a:t>6/4/2014</a:t>
+              <a:t>6/6/14</a:t>
             </a:fld>
             <a:endParaRPr lang="en-US"/>
           </a:p>
@@ -5924,7 +5878,7 @@
           <a:p>
             <a:fld id="{E2747EE1-88BE-414B-988F-4CA5E25880E0}" type="datetimeFigureOut">
               <a:rPr lang="en-US" smtClean="0"/>
-              <a:t>6/4/2014</a:t>
+              <a:t>6/6/14</a:t>
             </a:fld>
             <a:endParaRPr lang="en-US"/>
           </a:p>
@@ -6177,7 +6131,7 @@
           <a:p>
             <a:fld id="{E2747EE1-88BE-414B-988F-4CA5E25880E0}" type="datetimeFigureOut">
               <a:rPr lang="en-US" smtClean="0"/>
-              <a:t>6/4/2014</a:t>
+              <a:t>6/6/14</a:t>
             </a:fld>
             <a:endParaRPr lang="en-US"/>
           </a:p>
@@ -6390,7 +6344,7 @@
           <a:p>
             <a:fld id="{E2747EE1-88BE-414B-988F-4CA5E25880E0}" type="datetimeFigureOut">
               <a:rPr lang="en-US" smtClean="0"/>
-              <a:t>6/4/2014</a:t>
+              <a:t>6/6/14</a:t>
             </a:fld>
             <a:endParaRPr lang="en-US"/>
           </a:p>
@@ -6993,31 +6947,7 @@
                 <a:latin typeface="Arial"/>
                 <a:cs typeface="Arial"/>
               </a:rPr>
-              <a:t> </a:t>
-            </a:r>
-            <a:r>
-              <a:rPr lang="en-US" sz="1400" dirty="0" smtClean="0">
-                <a:solidFill>
-                  <a:schemeClr val="bg1">
-                    <a:lumMod val="50000"/>
-                  </a:schemeClr>
-                </a:solidFill>
-                <a:latin typeface="Arial"/>
-                <a:cs typeface="Arial"/>
-              </a:rPr>
-              <a:t> I </a:t>
-            </a:r>
-            <a:r>
-              <a:rPr lang="en-US" sz="1400" dirty="0" smtClean="0">
-                <a:solidFill>
-                  <a:schemeClr val="bg1">
-                    <a:lumMod val="50000"/>
-                  </a:schemeClr>
-                </a:solidFill>
-                <a:latin typeface="Arial"/>
-                <a:cs typeface="Arial"/>
-              </a:rPr>
-              <a:t>make them</a:t>
+              <a:t>  I make them</a:t>
             </a:r>
             <a:br>
               <a:rPr lang="en-US" sz="1400" dirty="0" smtClean="0">
@@ -7055,31 +6985,7 @@
                 <a:latin typeface="Arial"/>
                 <a:cs typeface="Arial"/>
               </a:rPr>
-              <a:t>IT </a:t>
-            </a:r>
-            <a:r>
-              <a:rPr lang="en-US" sz="1400" dirty="0" smtClean="0">
-                <a:solidFill>
-                  <a:schemeClr val="bg1">
-                    <a:lumMod val="50000"/>
-                  </a:schemeClr>
-                </a:solidFill>
-                <a:latin typeface="Arial"/>
-                <a:cs typeface="Arial"/>
-              </a:rPr>
-              <a:t>makes </a:t>
-            </a:r>
-            <a:r>
-              <a:rPr lang="en-US" sz="1400" dirty="0" smtClean="0">
-                <a:solidFill>
-                  <a:schemeClr val="bg1">
-                    <a:lumMod val="50000"/>
-                  </a:schemeClr>
-                </a:solidFill>
-                <a:latin typeface="Arial"/>
-                <a:cs typeface="Arial"/>
-              </a:rPr>
-              <a:t>us</a:t>
+              <a:t>IT makes us</a:t>
             </a:r>
             <a:br>
               <a:rPr lang="en-US" sz="1400" dirty="0" smtClean="0">
@@ -7117,19 +7023,7 @@
                 <a:latin typeface="Arial"/>
                 <a:cs typeface="Arial"/>
               </a:rPr>
-              <a:t>They</a:t>
-            </a:r>
-            <a:r>
-              <a:rPr lang="en-US" sz="1400" dirty="0" smtClean="0">
-                <a:solidFill>
-                  <a:schemeClr val="bg1">
-                    <a:lumMod val="50000"/>
-                  </a:schemeClr>
-                </a:solidFill>
-                <a:latin typeface="Arial"/>
-                <a:cs typeface="Arial"/>
-              </a:rPr>
-              <a:t> love it!</a:t>
+              <a:t>They love it!</a:t>
             </a:r>
             <a:endParaRPr lang="en-US" sz="1400" dirty="0">
               <a:solidFill>
@@ -7274,7 +7168,7 @@
   <p:timing>
     <p:tnLst>
       <p:par>
-        <p:cTn id="1" dur="indefinite" restart="never" nodeType="tmRoot"/>
+        <p:cTn xmlns:p14="http://schemas.microsoft.com/office/powerpoint/2010/main" id="1" dur="indefinite" restart="never" nodeType="tmRoot"/>
       </p:par>
     </p:tnLst>
   </p:timing>
@@ -8071,7 +7965,7 @@
   <p:timing>
     <p:tnLst>
       <p:par>
-        <p:cTn id="1" dur="indefinite" restart="never" nodeType="tmRoot"/>
+        <p:cTn xmlns:p14="http://schemas.microsoft.com/office/powerpoint/2010/main" id="1" dur="indefinite" restart="never" nodeType="tmRoot"/>
       </p:par>
     </p:tnLst>
   </p:timing>
@@ -8706,31 +8600,7 @@
                 <a:latin typeface="Arial"/>
                 <a:cs typeface="Arial"/>
               </a:rPr>
-              <a:t>Start </a:t>
-            </a:r>
-            <a:r>
-              <a:rPr lang="en-US" sz="1600" b="1" dirty="0" smtClean="0">
-                <a:solidFill>
-                  <a:schemeClr val="bg1">
-                    <a:lumMod val="50000"/>
-                  </a:schemeClr>
-                </a:solidFill>
-                <a:latin typeface="Arial"/>
-                <a:cs typeface="Arial"/>
-              </a:rPr>
-              <a:t>with </a:t>
-            </a:r>
-            <a:r>
-              <a:rPr lang="en-US" sz="1600" b="1" dirty="0" smtClean="0">
-                <a:solidFill>
-                  <a:schemeClr val="bg1">
-                    <a:lumMod val="50000"/>
-                  </a:schemeClr>
-                </a:solidFill>
-                <a:latin typeface="Arial"/>
-                <a:cs typeface="Arial"/>
-              </a:rPr>
-              <a:t>where you are. </a:t>
+              <a:t>Start with where you are. </a:t>
             </a:r>
           </a:p>
           <a:p>
@@ -8815,17 +8685,7 @@
                   </a:schemeClr>
                 </a:solidFill>
               </a:rPr>
-              <a:t>processes, defining your vision for the future, and analyzing and documenting the initiatives required to move forward</a:t>
-            </a:r>
-            <a:r>
-              <a:rPr lang="en-US" sz="1400" dirty="0" smtClean="0">
-                <a:solidFill>
-                  <a:schemeClr val="bg1">
-                    <a:lumMod val="50000"/>
-                  </a:schemeClr>
-                </a:solidFill>
-              </a:rPr>
-              <a:t>.</a:t>
+              <a:t>processes, defining your vision for the future, and analyzing and documenting the initiatives required to move forward.</a:t>
             </a:r>
           </a:p>
           <a:p>
@@ -8863,7 +8723,7 @@
   <p:timing>
     <p:tnLst>
       <p:par>
-        <p:cTn id="1" dur="indefinite" restart="never" nodeType="tmRoot"/>
+        <p:cTn xmlns:p14="http://schemas.microsoft.com/office/powerpoint/2010/main" id="1" dur="indefinite" restart="never" nodeType="tmRoot"/>
       </p:par>
     </p:tnLst>
   </p:timing>
@@ -9415,19 +9275,7 @@
                 <a:latin typeface="Arial"/>
                 <a:cs typeface="Arial"/>
               </a:rPr>
-              <a:t>WHAT </a:t>
-            </a:r>
-            <a:r>
-              <a:rPr lang="en-US" sz="3200" b="1" dirty="0" smtClean="0">
-                <a:solidFill>
-                  <a:schemeClr val="bg1">
-                    <a:lumMod val="65000"/>
-                  </a:schemeClr>
-                </a:solidFill>
-                <a:latin typeface="Arial"/>
-                <a:cs typeface="Arial"/>
-              </a:rPr>
-              <a:t>IT </a:t>
+              <a:t>WHAT IT </a:t>
             </a:r>
           </a:p>
           <a:p>
@@ -9521,15 +9369,6 @@
               </a:rPr>
               <a:t>Turn Roadblocks into Building Blocks</a:t>
             </a:r>
-            <a:endParaRPr lang="en-US" sz="1600" b="1" dirty="0" smtClean="0">
-              <a:solidFill>
-                <a:schemeClr val="bg1">
-                  <a:lumMod val="50000"/>
-                </a:schemeClr>
-              </a:solidFill>
-              <a:latin typeface="Arial"/>
-              <a:cs typeface="Arial"/>
-            </a:endParaRPr>
           </a:p>
           <a:p>
             <a:pPr algn="ctr"/>
@@ -9574,7 +9413,7 @@
   <p:timing>
     <p:tnLst>
       <p:par>
-        <p:cTn id="1" dur="indefinite" restart="never" nodeType="tmRoot"/>
+        <p:cTn xmlns:p14="http://schemas.microsoft.com/office/powerpoint/2010/main" id="1" dur="indefinite" restart="never" nodeType="tmRoot"/>
       </p:par>
     </p:tnLst>
   </p:timing>
@@ -10193,10 +10032,6 @@
                 </a:rPr>
                 <a:t>COLLABORATION: USER EXPERIENCE, RESILIENT DESIGN</a:t>
               </a:r>
-              <a:endParaRPr lang="en-US" sz="1000" b="1" dirty="0" smtClean="0">
-                <a:latin typeface="Arial"/>
-                <a:cs typeface="Arial"/>
-              </a:endParaRPr>
             </a:p>
             <a:p>
               <a:r>
@@ -10209,29 +10044,8 @@
                   <a:latin typeface="Arial"/>
                   <a:cs typeface="Arial"/>
                 </a:rPr>
-                <a:t>by</a:t>
+                <a:t>by Mike Davidson</a:t>
               </a:r>
-              <a:r>
-                <a:rPr lang="en-US" sz="1000" b="1" dirty="0" smtClean="0">
-                  <a:solidFill>
-                    <a:schemeClr val="bg1">
-                      <a:lumMod val="65000"/>
-                    </a:schemeClr>
-                  </a:solidFill>
-                  <a:latin typeface="Arial"/>
-                  <a:cs typeface="Arial"/>
-                </a:rPr>
-                <a:t> Mike Davidson</a:t>
-              </a:r>
-              <a:endParaRPr lang="en-US" sz="1000" b="1" dirty="0" smtClean="0">
-                <a:solidFill>
-                  <a:schemeClr val="bg1">
-                    <a:lumMod val="65000"/>
-                  </a:schemeClr>
-                </a:solidFill>
-                <a:latin typeface="Arial"/>
-                <a:cs typeface="Arial"/>
-              </a:endParaRPr>
             </a:p>
           </p:txBody>
         </p:sp>
@@ -10413,7 +10227,7 @@
   <p:timing>
     <p:tnLst>
       <p:par>
-        <p:cTn id="1" dur="indefinite" restart="never" nodeType="tmRoot"/>
+        <p:cTn xmlns:p14="http://schemas.microsoft.com/office/powerpoint/2010/main" id="1" dur="indefinite" restart="never" nodeType="tmRoot"/>
       </p:par>
     </p:tnLst>
   </p:timing>
@@ -10706,7 +10520,7 @@
         </p:nvSpPr>
         <p:spPr>
           <a:xfrm>
-            <a:off x="495404" y="814005"/>
+            <a:off x="562553" y="734755"/>
             <a:ext cx="8170983" cy="5303331"/>
           </a:xfrm>
           <a:prstGeom prst="rect">
@@ -11470,13 +11284,6 @@
                 </a:rPr>
                 <a:t>REYES HOLDINGS</a:t>
               </a:r>
-              <a:endParaRPr lang="en-US" sz="1000" b="1" dirty="0" smtClean="0">
-                <a:solidFill>
-                  <a:srgbClr val="FF0000"/>
-                </a:solidFill>
-                <a:latin typeface="Arial"/>
-                <a:cs typeface="Arial"/>
-              </a:endParaRPr>
             </a:p>
             <a:p>
               <a:pPr algn="ctr"/>
@@ -11777,14 +11584,7 @@
                   <a:latin typeface="Arial"/>
                   <a:cs typeface="Arial"/>
                 </a:rPr>
-                <a:t>HURON </a:t>
-              </a:r>
-              <a:r>
-                <a:rPr lang="en-US" sz="1000" b="1" dirty="0" smtClean="0">
-                  <a:latin typeface="Arial"/>
-                  <a:cs typeface="Arial"/>
-                </a:rPr>
-                <a:t>CONSULTING</a:t>
+                <a:t>HURON CONSULTING</a:t>
               </a:r>
             </a:p>
             <a:p>
@@ -12069,7 +11869,7 @@
   <p:timing>
     <p:tnLst>
       <p:par>
-        <p:cTn id="1" dur="indefinite" restart="never" nodeType="tmRoot"/>
+        <p:cTn xmlns:p14="http://schemas.microsoft.com/office/powerpoint/2010/main" id="1" dur="indefinite" restart="never" nodeType="tmRoot"/>
       </p:par>
     </p:tnLst>
   </p:timing>
@@ -12405,7 +12205,7 @@
   <p:timing>
     <p:tnLst>
       <p:par>
-        <p:cTn id="1" dur="indefinite" restart="never" nodeType="tmRoot"/>
+        <p:cTn xmlns:p14="http://schemas.microsoft.com/office/powerpoint/2010/main" id="1" dur="indefinite" restart="never" nodeType="tmRoot"/>
       </p:par>
     </p:tnLst>
   </p:timing>
@@ -13065,7 +12865,7 @@
   <p:timing>
     <p:tnLst>
       <p:par>
-        <p:cTn id="1" dur="indefinite" restart="never" nodeType="tmRoot"/>
+        <p:cTn xmlns:p14="http://schemas.microsoft.com/office/powerpoint/2010/main" id="1" dur="indefinite" restart="never" nodeType="tmRoot"/>
       </p:par>
     </p:tnLst>
   </p:timing>
@@ -14256,7 +14056,7 @@
   <p:timing>
     <p:tnLst>
       <p:par>
-        <p:cTn id="1" dur="indefinite" restart="never" nodeType="tmRoot"/>
+        <p:cTn xmlns:p14="http://schemas.microsoft.com/office/powerpoint/2010/main" id="1" dur="indefinite" restart="never" nodeType="tmRoot"/>
       </p:par>
     </p:tnLst>
   </p:timing>
@@ -15622,7 +15422,7 @@
             <a:noFill/>
           </a:ln>
           <a:extLst>
-            <a:ext uri="{53640926-AAD7-44D8-BBD7-CCE9431645EC}">
+            <a:ext uri="{53640926-AAD7-44d8-BBD7-CCE9431645EC}">
               <a14:shadowObscured xmlns:a14="http://schemas.microsoft.com/office/drawing/2010/main"/>
             </a:ext>
           </a:extLst>
@@ -15803,7 +15603,7 @@
   <p:timing>
     <p:tnLst>
       <p:par>
-        <p:cTn id="1" dur="indefinite" restart="never" nodeType="tmRoot"/>
+        <p:cTn xmlns:p14="http://schemas.microsoft.com/office/powerpoint/2010/main" id="1" dur="indefinite" restart="never" nodeType="tmRoot"/>
       </p:par>
     </p:tnLst>
   </p:timing>
@@ -16293,7 +16093,7 @@
   <p:timing>
     <p:tnLst>
       <p:par>
-        <p:cTn id="1" dur="indefinite" restart="never" nodeType="tmRoot"/>
+        <p:cTn xmlns:p14="http://schemas.microsoft.com/office/powerpoint/2010/main" id="1" dur="indefinite" restart="never" nodeType="tmRoot"/>
       </p:par>
     </p:tnLst>
   </p:timing>
@@ -17017,7 +16817,7 @@
   <p:timing>
     <p:tnLst>
       <p:par>
-        <p:cTn id="1" dur="indefinite" restart="never" nodeType="tmRoot"/>
+        <p:cTn xmlns:p14="http://schemas.microsoft.com/office/powerpoint/2010/main" id="1" dur="indefinite" restart="never" nodeType="tmRoot"/>
       </p:par>
     </p:tnLst>
   </p:timing>
@@ -17796,7 +17596,7 @@
   <p:timing>
     <p:tnLst>
       <p:par>
-        <p:cTn id="1" dur="indefinite" restart="never" nodeType="tmRoot"/>
+        <p:cTn xmlns:p14="http://schemas.microsoft.com/office/powerpoint/2010/main" id="1" dur="indefinite" restart="never" nodeType="tmRoot"/>
       </p:par>
     </p:tnLst>
   </p:timing>
@@ -18667,7 +18467,7 @@
   <p:timing>
     <p:tnLst>
       <p:par>
-        <p:cTn id="1" dur="indefinite" restart="never" nodeType="tmRoot"/>
+        <p:cTn xmlns:p14="http://schemas.microsoft.com/office/powerpoint/2010/main" id="1" dur="indefinite" restart="never" nodeType="tmRoot"/>
       </p:par>
     </p:tnLst>
   </p:timing>
@@ -19087,10 +18887,6 @@
                 </a:rPr>
                 <a:t>GOODBYE INTRANET. HELLO TO THE NOWENTERPRISE</a:t>
               </a:r>
-              <a:endParaRPr lang="en-US" sz="1000" b="1" dirty="0" smtClean="0">
-                <a:latin typeface="Arial"/>
-                <a:cs typeface="Arial"/>
-              </a:endParaRPr>
             </a:p>
             <a:p>
               <a:r>
@@ -19103,53 +18899,8 @@
                   <a:latin typeface="Arial"/>
                   <a:cs typeface="Arial"/>
                 </a:rPr>
-                <a:t>By </a:t>
+                <a:t>By Ralph Keipert – Jan 13, 2014</a:t>
               </a:r>
-              <a:r>
-                <a:rPr lang="en-US" sz="1000" b="1" dirty="0" smtClean="0">
-                  <a:solidFill>
-                    <a:schemeClr val="bg1">
-                      <a:lumMod val="65000"/>
-                    </a:schemeClr>
-                  </a:solidFill>
-                  <a:latin typeface="Arial"/>
-                  <a:cs typeface="Arial"/>
-                </a:rPr>
-                <a:t>Ralph Keipert </a:t>
-              </a:r>
-              <a:r>
-                <a:rPr lang="en-US" sz="1000" b="1" dirty="0" smtClean="0">
-                  <a:solidFill>
-                    <a:schemeClr val="bg1">
-                      <a:lumMod val="65000"/>
-                    </a:schemeClr>
-                  </a:solidFill>
-                  <a:latin typeface="Arial"/>
-                  <a:cs typeface="Arial"/>
-                </a:rPr>
-                <a:t>– </a:t>
-              </a:r>
-              <a:r>
-                <a:rPr lang="en-US" sz="1000" b="1" dirty="0" smtClean="0">
-                  <a:solidFill>
-                    <a:schemeClr val="bg1">
-                      <a:lumMod val="65000"/>
-                    </a:schemeClr>
-                  </a:solidFill>
-                  <a:latin typeface="Arial"/>
-                  <a:cs typeface="Arial"/>
-                </a:rPr>
-                <a:t>Jan 13, 2014</a:t>
-              </a:r>
-              <a:endParaRPr lang="en-US" sz="1000" b="1" dirty="0" smtClean="0">
-                <a:solidFill>
-                  <a:schemeClr val="bg1">
-                    <a:lumMod val="65000"/>
-                  </a:schemeClr>
-                </a:solidFill>
-                <a:latin typeface="Arial"/>
-                <a:cs typeface="Arial"/>
-              </a:endParaRPr>
             </a:p>
           </p:txBody>
         </p:sp>
@@ -19502,7 +19253,7 @@
   <p:timing>
     <p:tnLst>
       <p:par>
-        <p:cTn id="1" dur="indefinite" restart="never" nodeType="tmRoot"/>
+        <p:cTn xmlns:p14="http://schemas.microsoft.com/office/powerpoint/2010/main" id="1" dur="indefinite" restart="never" nodeType="tmRoot"/>
       </p:par>
     </p:tnLst>
   </p:timing>
@@ -20533,7 +20284,7 @@
   <p:timing>
     <p:tnLst>
       <p:par>
-        <p:cTn id="1" dur="indefinite" restart="never" nodeType="tmRoot"/>
+        <p:cTn xmlns:p14="http://schemas.microsoft.com/office/powerpoint/2010/main" id="1" dur="indefinite" restart="never" nodeType="tmRoot"/>
       </p:par>
     </p:tnLst>
   </p:timing>
@@ -21248,7 +20999,7 @@
   <p:timing>
     <p:tnLst>
       <p:par>
-        <p:cTn id="1" dur="indefinite" restart="never" nodeType="tmRoot"/>
+        <p:cTn xmlns:p14="http://schemas.microsoft.com/office/powerpoint/2010/main" id="1" dur="indefinite" restart="never" nodeType="tmRoot"/>
       </p:par>
     </p:tnLst>
   </p:timing>
@@ -22152,7 +21903,7 @@
   <p:timing>
     <p:tnLst>
       <p:par>
-        <p:cTn id="1" dur="indefinite" restart="never" nodeType="tmRoot"/>
+        <p:cTn xmlns:p14="http://schemas.microsoft.com/office/powerpoint/2010/main" id="1" dur="indefinite" restart="never" nodeType="tmRoot"/>
       </p:par>
     </p:tnLst>
   </p:timing>
